--- a/images/phase-retrieval-algorithm.pptx
+++ b/images/phase-retrieval-algorithm.pptx
@@ -104,6 +104,11 @@
       </a:defRPr>
     </a:lvl9pPr>
   </p:defaultTextStyle>
+  <p:extLst>
+    <p:ext uri="{EFAFB233-063F-42B5-8137-9DF3F51BA10A}">
+      <p15:sldGuideLst xmlns:p15="http://schemas.microsoft.com/office/powerpoint/2012/main"/>
+    </p:ext>
+  </p:extLst>
 </p:presentation>
 </file>
 
@@ -238,7 +243,7 @@
           <a:p>
             <a:fld id="{61041A40-FA86-42D8-B817-70782F8984DB}" type="datetimeFigureOut">
               <a:rPr lang="en-US" smtClean="0"/>
-              <a:t>8/10/2016</a:t>
+              <a:t>12/13/16</a:t>
             </a:fld>
             <a:endParaRPr lang="en-US"/>
           </a:p>
@@ -408,7 +413,7 @@
           <a:p>
             <a:fld id="{61041A40-FA86-42D8-B817-70782F8984DB}" type="datetimeFigureOut">
               <a:rPr lang="en-US" smtClean="0"/>
-              <a:t>8/10/2016</a:t>
+              <a:t>12/13/16</a:t>
             </a:fld>
             <a:endParaRPr lang="en-US"/>
           </a:p>
@@ -588,7 +593,7 @@
           <a:p>
             <a:fld id="{61041A40-FA86-42D8-B817-70782F8984DB}" type="datetimeFigureOut">
               <a:rPr lang="en-US" smtClean="0"/>
-              <a:t>8/10/2016</a:t>
+              <a:t>12/13/16</a:t>
             </a:fld>
             <a:endParaRPr lang="en-US"/>
           </a:p>
@@ -758,7 +763,7 @@
           <a:p>
             <a:fld id="{61041A40-FA86-42D8-B817-70782F8984DB}" type="datetimeFigureOut">
               <a:rPr lang="en-US" smtClean="0"/>
-              <a:t>8/10/2016</a:t>
+              <a:t>12/13/16</a:t>
             </a:fld>
             <a:endParaRPr lang="en-US"/>
           </a:p>
@@ -1004,7 +1009,7 @@
           <a:p>
             <a:fld id="{61041A40-FA86-42D8-B817-70782F8984DB}" type="datetimeFigureOut">
               <a:rPr lang="en-US" smtClean="0"/>
-              <a:t>8/10/2016</a:t>
+              <a:t>12/13/16</a:t>
             </a:fld>
             <a:endParaRPr lang="en-US"/>
           </a:p>
@@ -1236,7 +1241,7 @@
           <a:p>
             <a:fld id="{61041A40-FA86-42D8-B817-70782F8984DB}" type="datetimeFigureOut">
               <a:rPr lang="en-US" smtClean="0"/>
-              <a:t>8/10/2016</a:t>
+              <a:t>12/13/16</a:t>
             </a:fld>
             <a:endParaRPr lang="en-US"/>
           </a:p>
@@ -1603,7 +1608,7 @@
           <a:p>
             <a:fld id="{61041A40-FA86-42D8-B817-70782F8984DB}" type="datetimeFigureOut">
               <a:rPr lang="en-US" smtClean="0"/>
-              <a:t>8/10/2016</a:t>
+              <a:t>12/13/16</a:t>
             </a:fld>
             <a:endParaRPr lang="en-US"/>
           </a:p>
@@ -1721,7 +1726,7 @@
           <a:p>
             <a:fld id="{61041A40-FA86-42D8-B817-70782F8984DB}" type="datetimeFigureOut">
               <a:rPr lang="en-US" smtClean="0"/>
-              <a:t>8/10/2016</a:t>
+              <a:t>12/13/16</a:t>
             </a:fld>
             <a:endParaRPr lang="en-US"/>
           </a:p>
@@ -1816,7 +1821,7 @@
           <a:p>
             <a:fld id="{61041A40-FA86-42D8-B817-70782F8984DB}" type="datetimeFigureOut">
               <a:rPr lang="en-US" smtClean="0"/>
-              <a:t>8/10/2016</a:t>
+              <a:t>12/13/16</a:t>
             </a:fld>
             <a:endParaRPr lang="en-US"/>
           </a:p>
@@ -2093,7 +2098,7 @@
           <a:p>
             <a:fld id="{61041A40-FA86-42D8-B817-70782F8984DB}" type="datetimeFigureOut">
               <a:rPr lang="en-US" smtClean="0"/>
-              <a:t>8/10/2016</a:t>
+              <a:t>12/13/16</a:t>
             </a:fld>
             <a:endParaRPr lang="en-US"/>
           </a:p>
@@ -2346,7 +2351,7 @@
           <a:p>
             <a:fld id="{61041A40-FA86-42D8-B817-70782F8984DB}" type="datetimeFigureOut">
               <a:rPr lang="en-US" smtClean="0"/>
-              <a:t>8/10/2016</a:t>
+              <a:t>12/13/16</a:t>
             </a:fld>
             <a:endParaRPr lang="en-US"/>
           </a:p>
@@ -2559,7 +2564,7 @@
           <a:p>
             <a:fld id="{61041A40-FA86-42D8-B817-70782F8984DB}" type="datetimeFigureOut">
               <a:rPr lang="en-US" smtClean="0"/>
-              <a:t>8/10/2016</a:t>
+              <a:t>12/13/16</a:t>
             </a:fld>
             <a:endParaRPr lang="en-US"/>
           </a:p>
@@ -2964,767 +2969,774 @@
           <a:chExt cx="0" cy="0"/>
         </a:xfrm>
       </p:grpSpPr>
-      <p:sp>
-        <p:nvSpPr>
-          <p:cNvPr id="4" name="TextBox 3"/>
-          <p:cNvSpPr txBox="1"/>
+      <p:grpSp>
+        <p:nvGrpSpPr>
+          <p:cNvPr id="2" name="Group 1"/>
+          <p:cNvGrpSpPr/>
           <p:nvPr/>
-        </p:nvSpPr>
-        <p:spPr>
+        </p:nvGrpSpPr>
+        <p:grpSpPr>
           <a:xfrm>
-            <a:off x="2522170" y="1766170"/>
-            <a:ext cx="604653" cy="369332"/>
+            <a:off x="1448457" y="1766170"/>
+            <a:ext cx="9327771" cy="3262844"/>
+            <a:chOff x="1448457" y="1766170"/>
+            <a:chExt cx="9327771" cy="3262844"/>
           </a:xfrm>
-          <a:prstGeom prst="rect">
-            <a:avLst/>
-          </a:prstGeom>
-          <a:noFill/>
-        </p:spPr>
-        <p:txBody>
-          <a:bodyPr wrap="none" rtlCol="0">
-            <a:spAutoFit/>
-          </a:bodyPr>
-          <a:lstStyle/>
-          <a:p>
-            <a:r>
-              <a:rPr lang="en-US" dirty="0" err="1"/>
-              <a:t>g</a:t>
-            </a:r>
-            <a:r>
-              <a:rPr lang="en-US" baseline="-25000" dirty="0" err="1" smtClean="0"/>
-              <a:t>k</a:t>
-            </a:r>
-            <a:r>
-              <a:rPr lang="en-US" dirty="0" smtClean="0"/>
-              <a:t>(x)</a:t>
-            </a:r>
-            <a:endParaRPr lang="en-US" dirty="0"/>
-          </a:p>
-        </p:txBody>
-      </p:sp>
-      <p:sp>
-        <p:nvSpPr>
-          <p:cNvPr id="5" name="TextBox 4"/>
-          <p:cNvSpPr txBox="1"/>
-          <p:nvPr/>
-        </p:nvSpPr>
-        <p:spPr>
-          <a:xfrm>
-            <a:off x="9006214" y="1766170"/>
-            <a:ext cx="663964" cy="369332"/>
-          </a:xfrm>
-          <a:prstGeom prst="rect">
-            <a:avLst/>
-          </a:prstGeom>
-          <a:noFill/>
-        </p:spPr>
-        <p:txBody>
-          <a:bodyPr wrap="none" rtlCol="0">
-            <a:spAutoFit/>
-          </a:bodyPr>
-          <a:lstStyle/>
-          <a:p>
-            <a:r>
-              <a:rPr lang="en-US" dirty="0" err="1" smtClean="0"/>
-              <a:t>G</a:t>
-            </a:r>
-            <a:r>
-              <a:rPr lang="en-US" baseline="-25000" dirty="0" err="1" smtClean="0"/>
-              <a:t>k</a:t>
-            </a:r>
-            <a:r>
-              <a:rPr lang="en-US" dirty="0" smtClean="0"/>
-              <a:t>(q)</a:t>
-            </a:r>
-            <a:endParaRPr lang="en-US" dirty="0"/>
-          </a:p>
-        </p:txBody>
-      </p:sp>
-      <p:sp>
-        <p:nvSpPr>
-          <p:cNvPr id="6" name="TextBox 5"/>
-          <p:cNvSpPr txBox="1"/>
-          <p:nvPr/>
-        </p:nvSpPr>
-        <p:spPr>
-          <a:xfrm>
-            <a:off x="9006214" y="4659682"/>
-            <a:ext cx="721672" cy="369332"/>
-          </a:xfrm>
-          <a:prstGeom prst="rect">
-            <a:avLst/>
-          </a:prstGeom>
-          <a:noFill/>
-        </p:spPr>
-        <p:txBody>
-          <a:bodyPr wrap="none" rtlCol="0">
-            <a:spAutoFit/>
-          </a:bodyPr>
-          <a:lstStyle/>
-          <a:p>
-            <a:r>
-              <a:rPr lang="en-US" dirty="0" err="1" smtClean="0"/>
-              <a:t>G’</a:t>
-            </a:r>
-            <a:r>
-              <a:rPr lang="en-US" baseline="-25000" dirty="0" err="1" smtClean="0"/>
-              <a:t>k</a:t>
-            </a:r>
-            <a:r>
-              <a:rPr lang="en-US" dirty="0" smtClean="0"/>
-              <a:t>(q)</a:t>
-            </a:r>
-            <a:endParaRPr lang="en-US" dirty="0"/>
-          </a:p>
-        </p:txBody>
-      </p:sp>
-      <p:sp>
-        <p:nvSpPr>
-          <p:cNvPr id="7" name="TextBox 6"/>
-          <p:cNvSpPr txBox="1"/>
-          <p:nvPr/>
-        </p:nvSpPr>
-        <p:spPr>
-          <a:xfrm>
-            <a:off x="2488635" y="4654674"/>
-            <a:ext cx="671722" cy="369332"/>
-          </a:xfrm>
-          <a:prstGeom prst="rect">
-            <a:avLst/>
-          </a:prstGeom>
-          <a:noFill/>
-        </p:spPr>
-        <p:txBody>
-          <a:bodyPr wrap="none" rtlCol="0">
-            <a:spAutoFit/>
-          </a:bodyPr>
-          <a:lstStyle/>
-          <a:p>
-            <a:r>
-              <a:rPr lang="en-US" dirty="0" err="1" smtClean="0"/>
-              <a:t>g’</a:t>
-            </a:r>
-            <a:r>
-              <a:rPr lang="en-US" baseline="-25000" dirty="0" err="1" smtClean="0"/>
-              <a:t>k</a:t>
-            </a:r>
-            <a:r>
-              <a:rPr lang="en-US" dirty="0" smtClean="0"/>
-              <a:t>(x)</a:t>
-            </a:r>
-            <a:endParaRPr lang="en-US" dirty="0"/>
-          </a:p>
-        </p:txBody>
-      </p:sp>
-      <p:sp>
-        <p:nvSpPr>
-          <p:cNvPr id="8" name="TextBox 7"/>
-          <p:cNvSpPr txBox="1"/>
-          <p:nvPr/>
-        </p:nvSpPr>
-        <p:spPr>
-          <a:xfrm>
-            <a:off x="2905725" y="2243768"/>
-            <a:ext cx="752450" cy="338554"/>
-          </a:xfrm>
-          <a:prstGeom prst="rect">
-            <a:avLst/>
-          </a:prstGeom>
-          <a:noFill/>
-        </p:spPr>
-        <p:txBody>
-          <a:bodyPr wrap="none" rtlCol="0">
-            <a:spAutoFit/>
-          </a:bodyPr>
-          <a:lstStyle/>
-          <a:p>
-            <a:r>
-              <a:rPr lang="en-US" sz="1600" dirty="0" smtClean="0"/>
-              <a:t>g’</a:t>
-            </a:r>
-            <a:r>
-              <a:rPr lang="en-US" sz="1600" baseline="-25000" dirty="0" smtClean="0"/>
-              <a:t>k+1</a:t>
-            </a:r>
-            <a:r>
-              <a:rPr lang="en-US" sz="1600" dirty="0" smtClean="0"/>
-              <a:t>(x)</a:t>
-            </a:r>
-            <a:endParaRPr lang="en-US" sz="1600" dirty="0"/>
-          </a:p>
-        </p:txBody>
-      </p:sp>
-      <p:cxnSp>
-        <p:nvCxnSpPr>
-          <p:cNvPr id="10" name="Straight Arrow Connector 9"/>
-          <p:cNvCxnSpPr>
-            <a:stCxn id="5" idx="2"/>
-            <a:endCxn id="6" idx="0"/>
-          </p:cNvCxnSpPr>
-          <p:nvPr/>
-        </p:nvCxnSpPr>
-        <p:spPr>
-          <a:xfrm>
-            <a:off x="9338196" y="2135502"/>
-            <a:ext cx="28854" cy="2524180"/>
-          </a:xfrm>
-          <a:prstGeom prst="straightConnector1">
-            <a:avLst/>
-          </a:prstGeom>
-          <a:ln w="28575">
-            <a:solidFill>
+        </p:grpSpPr>
+        <p:sp>
+          <p:nvSpPr>
+            <p:cNvPr id="4" name="TextBox 3"/>
+            <p:cNvSpPr txBox="1"/>
+            <p:nvPr/>
+          </p:nvSpPr>
+          <p:spPr>
+            <a:xfrm>
+              <a:off x="2522170" y="1766170"/>
+              <a:ext cx="604653" cy="369332"/>
+            </a:xfrm>
+            <a:prstGeom prst="rect">
+              <a:avLst/>
+            </a:prstGeom>
+            <a:noFill/>
+          </p:spPr>
+          <p:txBody>
+            <a:bodyPr wrap="none" rtlCol="0">
+              <a:spAutoFit/>
+            </a:bodyPr>
+            <a:lstStyle/>
+            <a:p>
+              <a:r>
+                <a:rPr lang="en-US" dirty="0" err="1"/>
+                <a:t>g</a:t>
+              </a:r>
+              <a:r>
+                <a:rPr lang="en-US" baseline="-25000" dirty="0" err="1" smtClean="0"/>
+                <a:t>k</a:t>
+              </a:r>
+              <a:r>
+                <a:rPr lang="en-US" dirty="0" smtClean="0"/>
+                <a:t>(x)</a:t>
+              </a:r>
+              <a:endParaRPr lang="en-US" dirty="0"/>
+            </a:p>
+          </p:txBody>
+        </p:sp>
+        <p:sp>
+          <p:nvSpPr>
+            <p:cNvPr id="5" name="TextBox 4"/>
+            <p:cNvSpPr txBox="1"/>
+            <p:nvPr/>
+          </p:nvSpPr>
+          <p:spPr>
+            <a:xfrm>
+              <a:off x="9006214" y="1766170"/>
+              <a:ext cx="663964" cy="369332"/>
+            </a:xfrm>
+            <a:prstGeom prst="rect">
+              <a:avLst/>
+            </a:prstGeom>
+            <a:noFill/>
+          </p:spPr>
+          <p:txBody>
+            <a:bodyPr wrap="none" rtlCol="0">
+              <a:spAutoFit/>
+            </a:bodyPr>
+            <a:lstStyle/>
+            <a:p>
+              <a:r>
+                <a:rPr lang="en-US" dirty="0" err="1" smtClean="0"/>
+                <a:t>G</a:t>
+              </a:r>
+              <a:r>
+                <a:rPr lang="en-US" baseline="-25000" dirty="0" err="1" smtClean="0"/>
+                <a:t>k</a:t>
+              </a:r>
+              <a:r>
+                <a:rPr lang="en-US" dirty="0" smtClean="0"/>
+                <a:t>(q)</a:t>
+              </a:r>
+              <a:endParaRPr lang="en-US" dirty="0"/>
+            </a:p>
+          </p:txBody>
+        </p:sp>
+        <p:sp>
+          <p:nvSpPr>
+            <p:cNvPr id="6" name="TextBox 5"/>
+            <p:cNvSpPr txBox="1"/>
+            <p:nvPr/>
+          </p:nvSpPr>
+          <p:spPr>
+            <a:xfrm>
+              <a:off x="9006214" y="4659682"/>
+              <a:ext cx="721672" cy="369332"/>
+            </a:xfrm>
+            <a:prstGeom prst="rect">
+              <a:avLst/>
+            </a:prstGeom>
+            <a:noFill/>
+          </p:spPr>
+          <p:txBody>
+            <a:bodyPr wrap="none" rtlCol="0">
+              <a:spAutoFit/>
+            </a:bodyPr>
+            <a:lstStyle/>
+            <a:p>
+              <a:r>
+                <a:rPr lang="en-US" dirty="0" err="1" smtClean="0"/>
+                <a:t>G’</a:t>
+              </a:r>
+              <a:r>
+                <a:rPr lang="en-US" baseline="-25000" dirty="0" err="1" smtClean="0"/>
+                <a:t>k</a:t>
+              </a:r>
+              <a:r>
+                <a:rPr lang="en-US" dirty="0" smtClean="0"/>
+                <a:t>(q)</a:t>
+              </a:r>
+              <a:endParaRPr lang="en-US" dirty="0"/>
+            </a:p>
+          </p:txBody>
+        </p:sp>
+        <p:sp>
+          <p:nvSpPr>
+            <p:cNvPr id="7" name="TextBox 6"/>
+            <p:cNvSpPr txBox="1"/>
+            <p:nvPr/>
+          </p:nvSpPr>
+          <p:spPr>
+            <a:xfrm>
+              <a:off x="2488635" y="4654674"/>
+              <a:ext cx="671722" cy="369332"/>
+            </a:xfrm>
+            <a:prstGeom prst="rect">
+              <a:avLst/>
+            </a:prstGeom>
+            <a:noFill/>
+          </p:spPr>
+          <p:txBody>
+            <a:bodyPr wrap="none" rtlCol="0">
+              <a:spAutoFit/>
+            </a:bodyPr>
+            <a:lstStyle/>
+            <a:p>
+              <a:r>
+                <a:rPr lang="en-US" dirty="0" err="1" smtClean="0"/>
+                <a:t>g’</a:t>
+              </a:r>
+              <a:r>
+                <a:rPr lang="en-US" baseline="-25000" dirty="0" err="1" smtClean="0"/>
+                <a:t>k</a:t>
+              </a:r>
+              <a:r>
+                <a:rPr lang="en-US" dirty="0" smtClean="0"/>
+                <a:t>(x)</a:t>
+              </a:r>
+              <a:endParaRPr lang="en-US" dirty="0"/>
+            </a:p>
+          </p:txBody>
+        </p:sp>
+        <p:sp>
+          <p:nvSpPr>
+            <p:cNvPr id="8" name="TextBox 7"/>
+            <p:cNvSpPr txBox="1"/>
+            <p:nvPr/>
+          </p:nvSpPr>
+          <p:spPr>
+            <a:xfrm>
+              <a:off x="2905725" y="2243768"/>
+              <a:ext cx="752450" cy="338554"/>
+            </a:xfrm>
+            <a:prstGeom prst="rect">
+              <a:avLst/>
+            </a:prstGeom>
+            <a:noFill/>
+          </p:spPr>
+          <p:txBody>
+            <a:bodyPr wrap="none" rtlCol="0">
+              <a:spAutoFit/>
+            </a:bodyPr>
+            <a:lstStyle/>
+            <a:p>
+              <a:r>
+                <a:rPr lang="en-US" sz="1600" dirty="0" smtClean="0"/>
+                <a:t>g’</a:t>
+              </a:r>
+              <a:r>
+                <a:rPr lang="en-US" sz="1600" baseline="-25000" dirty="0" smtClean="0"/>
+                <a:t>k+1</a:t>
+              </a:r>
+              <a:r>
+                <a:rPr lang="en-US" sz="1600" dirty="0" smtClean="0"/>
+                <a:t>(x)</a:t>
+              </a:r>
+              <a:endParaRPr lang="en-US" sz="1600" dirty="0"/>
+            </a:p>
+          </p:txBody>
+        </p:sp>
+        <p:cxnSp>
+          <p:nvCxnSpPr>
+            <p:cNvPr id="10" name="Straight Arrow Connector 9"/>
+            <p:cNvCxnSpPr>
+              <a:stCxn id="5" idx="2"/>
+              <a:endCxn id="6" idx="0"/>
+            </p:cNvCxnSpPr>
+            <p:nvPr/>
+          </p:nvCxnSpPr>
+          <p:spPr>
+            <a:xfrm>
+              <a:off x="9338196" y="2135502"/>
+              <a:ext cx="28854" cy="2524180"/>
+            </a:xfrm>
+            <a:prstGeom prst="straightConnector1">
+              <a:avLst/>
+            </a:prstGeom>
+            <a:ln w="28575">
+              <a:solidFill>
+                <a:schemeClr val="accent4"/>
+              </a:solidFill>
+              <a:tailEnd type="triangle"/>
+            </a:ln>
+          </p:spPr>
+          <p:style>
+            <a:lnRef idx="1">
+              <a:schemeClr val="accent1"/>
+            </a:lnRef>
+            <a:fillRef idx="0">
+              <a:schemeClr val="accent1"/>
+            </a:fillRef>
+            <a:effectRef idx="0">
+              <a:schemeClr val="accent1"/>
+            </a:effectRef>
+            <a:fontRef idx="minor">
+              <a:schemeClr val="tx1"/>
+            </a:fontRef>
+          </p:style>
+        </p:cxnSp>
+        <p:sp>
+          <p:nvSpPr>
+            <p:cNvPr id="12" name="Rounded Rectangle 11"/>
+            <p:cNvSpPr/>
+            <p:nvPr/>
+          </p:nvSpPr>
+          <p:spPr>
+            <a:xfrm>
+              <a:off x="7957871" y="2887783"/>
+              <a:ext cx="2818357" cy="1014609"/>
+            </a:xfrm>
+            <a:prstGeom prst="roundRect">
+              <a:avLst/>
+            </a:prstGeom>
+          </p:spPr>
+          <p:style>
+            <a:lnRef idx="2">
               <a:schemeClr val="accent4"/>
-            </a:solidFill>
-            <a:tailEnd type="triangle"/>
-          </a:ln>
-        </p:spPr>
-        <p:style>
-          <a:lnRef idx="1">
-            <a:schemeClr val="accent1"/>
-          </a:lnRef>
-          <a:fillRef idx="0">
-            <a:schemeClr val="accent1"/>
-          </a:fillRef>
-          <a:effectRef idx="0">
-            <a:schemeClr val="accent1"/>
-          </a:effectRef>
-          <a:fontRef idx="minor">
-            <a:schemeClr val="tx1"/>
-          </a:fontRef>
-        </p:style>
-      </p:cxnSp>
-      <p:sp>
-        <p:nvSpPr>
-          <p:cNvPr id="12" name="Rounded Rectangle 11"/>
-          <p:cNvSpPr/>
-          <p:nvPr/>
-        </p:nvSpPr>
-        <p:spPr>
-          <a:xfrm>
-            <a:off x="7957871" y="2887783"/>
-            <a:ext cx="2818357" cy="1014609"/>
-          </a:xfrm>
-          <a:prstGeom prst="roundRect">
-            <a:avLst/>
-          </a:prstGeom>
-        </p:spPr>
-        <p:style>
-          <a:lnRef idx="2">
-            <a:schemeClr val="accent4"/>
-          </a:lnRef>
-          <a:fillRef idx="1">
-            <a:schemeClr val="lt1"/>
-          </a:fillRef>
-          <a:effectRef idx="0">
-            <a:schemeClr val="accent4"/>
-          </a:effectRef>
-          <a:fontRef idx="minor">
-            <a:schemeClr val="dk1"/>
-          </a:fontRef>
-        </p:style>
-        <p:txBody>
-          <a:bodyPr rtlCol="0" anchor="ctr"/>
-          <a:lstStyle/>
-          <a:p>
-            <a:pPr algn="ctr"/>
-            <a:r>
-              <a:rPr lang="en-US" u="sng" dirty="0" smtClean="0"/>
-              <a:t>Fourier space constraint:</a:t>
-            </a:r>
-          </a:p>
-          <a:p>
-            <a:pPr algn="ctr"/>
-            <a:r>
-              <a:rPr lang="en-US" sz="1600" dirty="0" smtClean="0"/>
-              <a:t>Re(</a:t>
-            </a:r>
-            <a:r>
-              <a:rPr lang="en-US" sz="1600" dirty="0" err="1" smtClean="0"/>
-              <a:t>G</a:t>
-            </a:r>
-            <a:r>
-              <a:rPr lang="en-US" sz="1600" baseline="-25000" dirty="0" err="1" smtClean="0"/>
-              <a:t>k</a:t>
-            </a:r>
-            <a:r>
-              <a:rPr lang="en-US" sz="1600" dirty="0" smtClean="0"/>
-              <a:t>(q)</a:t>
-            </a:r>
-            <a:r>
-              <a:rPr lang="en-US" sz="1600" dirty="0" smtClean="0"/>
-              <a:t>)+</a:t>
-            </a:r>
-            <a:r>
-              <a:rPr lang="en-US" sz="1600" dirty="0" err="1" smtClean="0"/>
-              <a:t>Im</a:t>
-            </a:r>
-            <a:r>
-              <a:rPr lang="en-US" sz="1600" dirty="0" smtClean="0"/>
-              <a:t>(</a:t>
-            </a:r>
-            <a:r>
-              <a:rPr lang="en-US" sz="1600" dirty="0" err="1" smtClean="0"/>
-              <a:t>G</a:t>
-            </a:r>
-            <a:r>
-              <a:rPr lang="en-US" sz="1600" baseline="-25000" dirty="0" err="1" smtClean="0"/>
-              <a:t>k</a:t>
-            </a:r>
-            <a:r>
-              <a:rPr lang="en-US" sz="1600" dirty="0" smtClean="0"/>
-              <a:t>(q)</a:t>
-            </a:r>
-            <a:r>
-              <a:rPr lang="en-US" sz="1600" dirty="0" smtClean="0"/>
-              <a:t>)=|A(q)|</a:t>
-            </a:r>
-            <a:endParaRPr lang="en-US" sz="1600" dirty="0"/>
-          </a:p>
-        </p:txBody>
-      </p:sp>
-      <p:cxnSp>
-        <p:nvCxnSpPr>
-          <p:cNvPr id="14" name="Straight Arrow Connector 13"/>
-          <p:cNvCxnSpPr>
-            <a:stCxn id="6" idx="1"/>
-            <a:endCxn id="7" idx="3"/>
-          </p:cNvCxnSpPr>
-          <p:nvPr/>
-        </p:nvCxnSpPr>
-        <p:spPr>
-          <a:xfrm flipH="1" flipV="1">
-            <a:off x="3160357" y="4839340"/>
-            <a:ext cx="5845857" cy="5008"/>
-          </a:xfrm>
-          <a:prstGeom prst="straightConnector1">
-            <a:avLst/>
-          </a:prstGeom>
-          <a:ln w="28575">
-            <a:tailEnd type="triangle"/>
-          </a:ln>
-        </p:spPr>
-        <p:style>
-          <a:lnRef idx="1">
-            <a:schemeClr val="accent1"/>
-          </a:lnRef>
-          <a:fillRef idx="0">
-            <a:schemeClr val="accent1"/>
-          </a:fillRef>
-          <a:effectRef idx="0">
-            <a:schemeClr val="accent1"/>
-          </a:effectRef>
-          <a:fontRef idx="minor">
-            <a:schemeClr val="tx1"/>
-          </a:fontRef>
-        </p:style>
-      </p:cxnSp>
-      <p:cxnSp>
-        <p:nvCxnSpPr>
-          <p:cNvPr id="17" name="Straight Arrow Connector 16"/>
-          <p:cNvCxnSpPr>
-            <a:stCxn id="7" idx="0"/>
-            <a:endCxn id="4" idx="2"/>
-          </p:cNvCxnSpPr>
-          <p:nvPr/>
-        </p:nvCxnSpPr>
-        <p:spPr>
-          <a:xfrm flipV="1">
-            <a:off x="2824496" y="2135502"/>
-            <a:ext cx="1" cy="2519172"/>
-          </a:xfrm>
-          <a:prstGeom prst="straightConnector1">
-            <a:avLst/>
-          </a:prstGeom>
-          <a:ln w="28575">
-            <a:solidFill>
-              <a:schemeClr val="accent2"/>
-            </a:solidFill>
-            <a:tailEnd type="triangle"/>
-          </a:ln>
-        </p:spPr>
-        <p:style>
-          <a:lnRef idx="1">
-            <a:schemeClr val="accent1"/>
-          </a:lnRef>
-          <a:fillRef idx="0">
-            <a:schemeClr val="accent1"/>
-          </a:fillRef>
-          <a:effectRef idx="0">
-            <a:schemeClr val="accent1"/>
-          </a:effectRef>
-          <a:fontRef idx="minor">
-            <a:schemeClr val="tx1"/>
-          </a:fontRef>
-        </p:style>
-      </p:cxnSp>
-      <mc:AlternateContent xmlns:mc="http://schemas.openxmlformats.org/markup-compatibility/2006">
-        <mc:Choice xmlns:a14="http://schemas.microsoft.com/office/drawing/2010/main" Requires="a14">
-          <p:sp>
-            <p:nvSpPr>
-              <p:cNvPr id="19" name="Rounded Rectangle 18"/>
-              <p:cNvSpPr/>
-              <p:nvPr/>
-            </p:nvSpPr>
-            <p:spPr>
-              <a:xfrm>
-                <a:off x="1448457" y="2898880"/>
-                <a:ext cx="2914537" cy="1014609"/>
-              </a:xfrm>
-              <a:prstGeom prst="roundRect">
-                <a:avLst/>
-              </a:prstGeom>
-              <a:ln>
-                <a:solidFill>
-                  <a:schemeClr val="accent2"/>
-                </a:solidFill>
-              </a:ln>
-            </p:spPr>
-            <p:style>
-              <a:lnRef idx="2">
-                <a:schemeClr val="accent1"/>
-              </a:lnRef>
-              <a:fillRef idx="1">
-                <a:schemeClr val="lt1"/>
-              </a:fillRef>
-              <a:effectRef idx="0">
-                <a:schemeClr val="accent1"/>
-              </a:effectRef>
-              <a:fontRef idx="minor">
-                <a:schemeClr val="dk1"/>
-              </a:fontRef>
-            </p:style>
-            <p:txBody>
-              <a:bodyPr rtlCol="0" anchor="ctr"/>
-              <a:lstStyle/>
-              <a:p>
-                <a:pPr algn="ctr"/>
-                <a:r>
-                  <a:rPr lang="en-US" u="sng" dirty="0" smtClean="0"/>
-                  <a:t>Real space constraint:</a:t>
-                </a:r>
-              </a:p>
-              <a:p>
-                <a:pPr algn="ctr"/>
-                <a:r>
-                  <a:rPr lang="en-US" sz="1600" dirty="0" smtClean="0"/>
-                  <a:t>e.g. </a:t>
-                </a:r>
-                <a14:m>
-                  <m:oMath xmlns:m="http://schemas.openxmlformats.org/officeDocument/2006/math">
-                    <m:sSub>
-                      <m:sSubPr>
-                        <m:ctrlPr>
-                          <a:rPr lang="en-US" sz="1600" b="0" i="1" smtClean="0">
-                            <a:latin typeface="Cambria Math" panose="02040503050406030204" pitchFamily="18" charset="0"/>
-                          </a:rPr>
-                        </m:ctrlPr>
-                      </m:sSubPr>
-                      <m:e>
-                        <m:sSup>
-                          <m:sSupPr>
-                            <m:ctrlPr>
-                              <a:rPr lang="en-US" sz="1600" b="0" i="1" smtClean="0">
-                                <a:latin typeface="Cambria Math" panose="02040503050406030204" pitchFamily="18" charset="0"/>
-                              </a:rPr>
-                            </m:ctrlPr>
-                          </m:sSupPr>
-                          <m:e>
-                            <m:r>
-                              <a:rPr lang="en-US" sz="1600" b="0" i="1" smtClean="0">
-                                <a:latin typeface="Cambria Math" panose="02040503050406030204" pitchFamily="18" charset="0"/>
-                              </a:rPr>
-                              <m:t>𝑔</m:t>
-                            </m:r>
-                          </m:e>
-                          <m:sup>
-                            <m:r>
-                              <a:rPr lang="en-US" sz="1600" b="0" i="1" smtClean="0">
-                                <a:latin typeface="Cambria Math" panose="02040503050406030204" pitchFamily="18" charset="0"/>
-                              </a:rPr>
-                              <m:t>′</m:t>
-                            </m:r>
-                          </m:sup>
-                        </m:sSup>
-                      </m:e>
-                      <m:sub>
-                        <m:r>
-                          <a:rPr lang="en-US" sz="1600" b="0" i="1" smtClean="0">
-                            <a:latin typeface="Cambria Math" panose="02040503050406030204" pitchFamily="18" charset="0"/>
-                          </a:rPr>
-                          <m:t>𝑘</m:t>
-                        </m:r>
-                        <m:r>
-                          <a:rPr lang="en-US" sz="1600" b="0" i="1" smtClean="0">
-                            <a:latin typeface="Cambria Math" panose="02040503050406030204" pitchFamily="18" charset="0"/>
-                          </a:rPr>
-                          <m:t>+1</m:t>
-                        </m:r>
-                      </m:sub>
-                    </m:sSub>
-                    <m:r>
-                      <a:rPr lang="en-US" sz="1600" b="0" i="1" smtClean="0">
-                        <a:latin typeface="Cambria Math" panose="02040503050406030204" pitchFamily="18" charset="0"/>
-                      </a:rPr>
-                      <m:t>(</m:t>
-                    </m:r>
-                    <m:r>
-                      <a:rPr lang="en-US" sz="1600" b="0" i="1" smtClean="0">
-                        <a:latin typeface="Cambria Math" panose="02040503050406030204" pitchFamily="18" charset="0"/>
-                      </a:rPr>
-                      <m:t>𝑥</m:t>
-                    </m:r>
-                    <m:r>
-                      <a:rPr lang="en-US" sz="1600" b="0" i="1" smtClean="0">
-                        <a:latin typeface="Cambria Math" panose="02040503050406030204" pitchFamily="18" charset="0"/>
-                      </a:rPr>
-                      <m:t>)=</m:t>
-                    </m:r>
-                    <m:d>
-                      <m:dPr>
-                        <m:begChr m:val="{"/>
-                        <m:endChr m:val=""/>
-                        <m:ctrlPr>
-                          <a:rPr lang="en-US" sz="1600" b="0" i="1" smtClean="0">
-                            <a:latin typeface="Cambria Math" panose="02040503050406030204" pitchFamily="18" charset="0"/>
-                          </a:rPr>
-                        </m:ctrlPr>
-                      </m:dPr>
-                      <m:e>
-                        <m:eqArr>
-                          <m:eqArrPr>
-                            <m:ctrlPr>
-                              <a:rPr lang="en-US" sz="1600" b="0" i="1" smtClean="0">
-                                <a:latin typeface="Cambria Math" panose="02040503050406030204" pitchFamily="18" charset="0"/>
-                              </a:rPr>
-                            </m:ctrlPr>
-                          </m:eqArrPr>
-                          <m:e>
-                            <m:r>
-                              <m:rPr>
-                                <m:nor/>
-                              </m:rPr>
-                              <a:rPr lang="en-US" sz="1600" dirty="0" smtClean="0"/>
-                              <m:t>g</m:t>
-                            </m:r>
-                            <m:r>
-                              <m:rPr>
-                                <m:nor/>
-                              </m:rPr>
-                              <a:rPr lang="en-US" sz="1600" dirty="0" smtClean="0"/>
-                              <m:t>’</m:t>
-                            </m:r>
-                            <m:r>
-                              <m:rPr>
-                                <m:nor/>
-                              </m:rPr>
-                              <a:rPr lang="en-US" sz="1600" baseline="-25000" dirty="0" smtClean="0"/>
-                              <m:t>k</m:t>
-                            </m:r>
-                            <m:r>
-                              <m:rPr>
-                                <m:nor/>
-                              </m:rPr>
-                              <a:rPr lang="en-US" sz="1600" dirty="0" smtClean="0"/>
-                              <m:t>(</m:t>
-                            </m:r>
-                            <m:r>
-                              <m:rPr>
-                                <m:nor/>
-                              </m:rPr>
-                              <a:rPr lang="en-US" sz="1600" dirty="0" smtClean="0"/>
-                              <m:t>x</m:t>
-                            </m:r>
-                            <m:r>
-                              <m:rPr>
-                                <m:nor/>
-                              </m:rPr>
-                              <a:rPr lang="en-US" sz="1600" dirty="0" smtClean="0"/>
-                              <m:t>), </m:t>
-                            </m:r>
-                            <m:r>
-                              <m:rPr>
-                                <m:nor/>
-                              </m:rPr>
-                              <a:rPr lang="en-US" sz="1600" dirty="0" smtClean="0"/>
-                              <m:t>x</m:t>
-                            </m:r>
-                            <m:r>
-                              <m:rPr>
-                                <m:nor/>
-                              </m:rPr>
-                              <a:rPr lang="en-US" sz="1600" dirty="0" smtClean="0"/>
-                              <m:t> </m:t>
-                            </m:r>
-                            <m:r>
-                              <a:rPr lang="en-US" sz="1600" i="1" dirty="0" smtClean="0">
-                                <a:latin typeface="Cambria Math" panose="02040503050406030204" pitchFamily="18" charset="0"/>
-                                <a:ea typeface="Cambria Math" panose="02040503050406030204" pitchFamily="18" charset="0"/>
-                              </a:rPr>
-                              <m:t>∈</m:t>
-                            </m:r>
-                            <m:r>
-                              <m:rPr>
-                                <m:nor/>
-                              </m:rPr>
-                              <a:rPr lang="en-US" sz="1600" dirty="0" smtClean="0"/>
-                              <m:t> </m:t>
-                            </m:r>
-                            <m:r>
-                              <m:rPr>
-                                <m:nor/>
-                              </m:rPr>
-                              <a:rPr lang="en-US" sz="1600" dirty="0" smtClean="0"/>
-                              <m:t>S</m:t>
-                            </m:r>
-                          </m:e>
-                          <m:e>
-                            <m:r>
-                              <m:rPr>
-                                <m:nor/>
-                              </m:rPr>
-                              <a:rPr lang="en-US" sz="1600" dirty="0" smtClean="0"/>
-                              <m:t>0, </m:t>
-                            </m:r>
-                            <m:r>
-                              <m:rPr>
-                                <m:nor/>
-                              </m:rPr>
-                              <a:rPr lang="en-US" sz="1600" b="0" i="0" dirty="0" smtClean="0"/>
-                              <m:t>        </m:t>
-                            </m:r>
-                            <m:r>
-                              <m:rPr>
-                                <m:nor/>
-                              </m:rPr>
-                              <a:rPr lang="en-US" sz="1600" dirty="0" smtClean="0"/>
-                              <m:t>x</m:t>
-                            </m:r>
-                            <m:r>
-                              <m:rPr>
-                                <m:nor/>
-                              </m:rPr>
-                              <a:rPr lang="en-US" sz="1600" dirty="0" smtClean="0"/>
-                              <m:t> </m:t>
-                            </m:r>
-                            <m:r>
-                              <a:rPr lang="el-GR" sz="1600" i="1" dirty="0" smtClean="0">
-                                <a:latin typeface="Cambria Math" panose="02040503050406030204" pitchFamily="18" charset="0"/>
-                                <a:ea typeface="Cambria Math" panose="02040503050406030204" pitchFamily="18" charset="0"/>
-                              </a:rPr>
-                              <m:t>∉</m:t>
-                            </m:r>
-                            <m:r>
-                              <m:rPr>
-                                <m:nor/>
-                              </m:rPr>
-                              <a:rPr lang="en-US" sz="1600" dirty="0" smtClean="0"/>
-                              <m:t> </m:t>
-                            </m:r>
-                            <m:r>
-                              <m:rPr>
-                                <m:nor/>
-                              </m:rPr>
-                              <a:rPr lang="en-US" sz="1600" dirty="0" smtClean="0"/>
-                              <m:t>S</m:t>
-                            </m:r>
-                            <m:r>
-                              <m:rPr>
-                                <m:nor/>
-                              </m:rPr>
-                              <a:rPr lang="en-US" sz="1600" dirty="0" smtClean="0"/>
-                              <m:t> </m:t>
-                            </m:r>
-                          </m:e>
-                        </m:eqArr>
-                      </m:e>
-                    </m:d>
-                  </m:oMath>
-                </a14:m>
-                <a:endParaRPr lang="en-US" sz="1600" dirty="0" smtClean="0"/>
-              </a:p>
-            </p:txBody>
-          </p:sp>
-        </mc:Choice>
-        <mc:Fallback>
-          <p:sp>
-            <p:nvSpPr>
-              <p:cNvPr id="19" name="Rounded Rectangle 18"/>
-              <p:cNvSpPr>
-                <a:spLocks noRot="1" noChangeAspect="1" noMove="1" noResize="1" noEditPoints="1" noAdjustHandles="1" noChangeArrowheads="1" noChangeShapeType="1" noTextEdit="1"/>
-              </p:cNvSpPr>
-              <p:nvPr/>
-            </p:nvSpPr>
-            <p:spPr>
-              <a:xfrm>
-                <a:off x="1448457" y="2898880"/>
-                <a:ext cx="2914537" cy="1014609"/>
-              </a:xfrm>
-              <a:prstGeom prst="roundRect">
-                <a:avLst/>
-              </a:prstGeom>
-              <a:blipFill>
-                <a:blip r:embed="rId2"/>
-                <a:stretch>
-                  <a:fillRect/>
-                </a:stretch>
-              </a:blipFill>
-              <a:ln>
-                <a:solidFill>
-                  <a:schemeClr val="accent2"/>
-                </a:solidFill>
-              </a:ln>
-            </p:spPr>
-            <p:txBody>
-              <a:bodyPr/>
-              <a:lstStyle/>
-              <a:p>
-                <a:r>
-                  <a:rPr lang="en-US">
-                    <a:noFill/>
-                  </a:rPr>
-                  <a:t> </a:t>
-                </a:r>
-              </a:p>
-            </p:txBody>
-          </p:sp>
-        </mc:Fallback>
-      </mc:AlternateContent>
-      <p:cxnSp>
-        <p:nvCxnSpPr>
-          <p:cNvPr id="21" name="Straight Arrow Connector 20"/>
-          <p:cNvCxnSpPr>
-            <a:stCxn id="4" idx="3"/>
-            <a:endCxn id="5" idx="1"/>
-          </p:cNvCxnSpPr>
-          <p:nvPr/>
-        </p:nvCxnSpPr>
-        <p:spPr>
-          <a:xfrm>
-            <a:off x="3126823" y="1950836"/>
-            <a:ext cx="5879391" cy="0"/>
-          </a:xfrm>
-          <a:prstGeom prst="straightConnector1">
-            <a:avLst/>
-          </a:prstGeom>
-          <a:ln w="28575">
-            <a:tailEnd type="triangle"/>
-          </a:ln>
-        </p:spPr>
-        <p:style>
-          <a:lnRef idx="1">
-            <a:schemeClr val="accent1"/>
-          </a:lnRef>
-          <a:fillRef idx="0">
-            <a:schemeClr val="accent1"/>
-          </a:fillRef>
-          <a:effectRef idx="0">
-            <a:schemeClr val="accent1"/>
-          </a:effectRef>
-          <a:fontRef idx="minor">
-            <a:schemeClr val="tx1"/>
-          </a:fontRef>
-        </p:style>
-      </p:cxnSp>
+            </a:lnRef>
+            <a:fillRef idx="1">
+              <a:schemeClr val="lt1"/>
+            </a:fillRef>
+            <a:effectRef idx="0">
+              <a:schemeClr val="accent4"/>
+            </a:effectRef>
+            <a:fontRef idx="minor">
+              <a:schemeClr val="dk1"/>
+            </a:fontRef>
+          </p:style>
+          <p:txBody>
+            <a:bodyPr rtlCol="0" anchor="ctr"/>
+            <a:lstStyle/>
+            <a:p>
+              <a:pPr algn="ctr"/>
+              <a:r>
+                <a:rPr lang="en-US" u="sng" dirty="0" smtClean="0"/>
+                <a:t>Fourier space constraint:</a:t>
+              </a:r>
+            </a:p>
+            <a:p>
+              <a:pPr algn="ctr"/>
+              <a:r>
+                <a:rPr lang="en-US" sz="1600" dirty="0" smtClean="0"/>
+                <a:t>Re(</a:t>
+              </a:r>
+              <a:r>
+                <a:rPr lang="en-US" sz="1600" dirty="0" err="1" smtClean="0"/>
+                <a:t>G</a:t>
+              </a:r>
+              <a:r>
+                <a:rPr lang="en-US" sz="1600" baseline="-25000" dirty="0" err="1" smtClean="0"/>
+                <a:t>k</a:t>
+              </a:r>
+              <a:r>
+                <a:rPr lang="en-US" sz="1600" dirty="0" smtClean="0"/>
+                <a:t>(q))+</a:t>
+              </a:r>
+              <a:r>
+                <a:rPr lang="en-US" sz="1600" dirty="0" err="1" smtClean="0"/>
+                <a:t>Im</a:t>
+              </a:r>
+              <a:r>
+                <a:rPr lang="en-US" sz="1600" dirty="0" smtClean="0"/>
+                <a:t>(</a:t>
+              </a:r>
+              <a:r>
+                <a:rPr lang="en-US" sz="1600" dirty="0" err="1" smtClean="0"/>
+                <a:t>G</a:t>
+              </a:r>
+              <a:r>
+                <a:rPr lang="en-US" sz="1600" baseline="-25000" dirty="0" err="1" smtClean="0"/>
+                <a:t>k</a:t>
+              </a:r>
+              <a:r>
+                <a:rPr lang="en-US" sz="1600" dirty="0" smtClean="0"/>
+                <a:t>(q))=|A(q)|</a:t>
+              </a:r>
+              <a:endParaRPr lang="en-US" sz="1600" dirty="0"/>
+            </a:p>
+          </p:txBody>
+        </p:sp>
+        <p:cxnSp>
+          <p:nvCxnSpPr>
+            <p:cNvPr id="14" name="Straight Arrow Connector 13"/>
+            <p:cNvCxnSpPr>
+              <a:stCxn id="6" idx="1"/>
+              <a:endCxn id="7" idx="3"/>
+            </p:cNvCxnSpPr>
+            <p:nvPr/>
+          </p:nvCxnSpPr>
+          <p:spPr>
+            <a:xfrm flipH="1" flipV="1">
+              <a:off x="3160357" y="4839340"/>
+              <a:ext cx="5845857" cy="5008"/>
+            </a:xfrm>
+            <a:prstGeom prst="straightConnector1">
+              <a:avLst/>
+            </a:prstGeom>
+            <a:ln w="28575">
+              <a:tailEnd type="triangle"/>
+            </a:ln>
+          </p:spPr>
+          <p:style>
+            <a:lnRef idx="1">
+              <a:schemeClr val="accent1"/>
+            </a:lnRef>
+            <a:fillRef idx="0">
+              <a:schemeClr val="accent1"/>
+            </a:fillRef>
+            <a:effectRef idx="0">
+              <a:schemeClr val="accent1"/>
+            </a:effectRef>
+            <a:fontRef idx="minor">
+              <a:schemeClr val="tx1"/>
+            </a:fontRef>
+          </p:style>
+        </p:cxnSp>
+        <p:cxnSp>
+          <p:nvCxnSpPr>
+            <p:cNvPr id="17" name="Straight Arrow Connector 16"/>
+            <p:cNvCxnSpPr>
+              <a:stCxn id="7" idx="0"/>
+              <a:endCxn id="4" idx="2"/>
+            </p:cNvCxnSpPr>
+            <p:nvPr/>
+          </p:nvCxnSpPr>
+          <p:spPr>
+            <a:xfrm flipV="1">
+              <a:off x="2824496" y="2135502"/>
+              <a:ext cx="1" cy="2519172"/>
+            </a:xfrm>
+            <a:prstGeom prst="straightConnector1">
+              <a:avLst/>
+            </a:prstGeom>
+            <a:ln w="28575">
+              <a:solidFill>
+                <a:schemeClr val="accent2"/>
+              </a:solidFill>
+              <a:tailEnd type="triangle"/>
+            </a:ln>
+          </p:spPr>
+          <p:style>
+            <a:lnRef idx="1">
+              <a:schemeClr val="accent1"/>
+            </a:lnRef>
+            <a:fillRef idx="0">
+              <a:schemeClr val="accent1"/>
+            </a:fillRef>
+            <a:effectRef idx="0">
+              <a:schemeClr val="accent1"/>
+            </a:effectRef>
+            <a:fontRef idx="minor">
+              <a:schemeClr val="tx1"/>
+            </a:fontRef>
+          </p:style>
+        </p:cxnSp>
+        <mc:AlternateContent xmlns:mc="http://schemas.openxmlformats.org/markup-compatibility/2006">
+          <mc:Choice xmlns:a14="http://schemas.microsoft.com/office/drawing/2010/main" Requires="a14">
+            <p:sp>
+              <p:nvSpPr>
+                <p:cNvPr id="19" name="Rounded Rectangle 18"/>
+                <p:cNvSpPr/>
+                <p:nvPr/>
+              </p:nvSpPr>
+              <p:spPr>
+                <a:xfrm>
+                  <a:off x="1448457" y="2898880"/>
+                  <a:ext cx="2914537" cy="1014609"/>
+                </a:xfrm>
+                <a:prstGeom prst="roundRect">
+                  <a:avLst/>
+                </a:prstGeom>
+                <a:ln>
+                  <a:solidFill>
+                    <a:schemeClr val="accent2"/>
+                  </a:solidFill>
+                </a:ln>
+              </p:spPr>
+              <p:style>
+                <a:lnRef idx="2">
+                  <a:schemeClr val="accent1"/>
+                </a:lnRef>
+                <a:fillRef idx="1">
+                  <a:schemeClr val="lt1"/>
+                </a:fillRef>
+                <a:effectRef idx="0">
+                  <a:schemeClr val="accent1"/>
+                </a:effectRef>
+                <a:fontRef idx="minor">
+                  <a:schemeClr val="dk1"/>
+                </a:fontRef>
+              </p:style>
+              <p:txBody>
+                <a:bodyPr rtlCol="0" anchor="ctr"/>
+                <a:lstStyle/>
+                <a:p>
+                  <a:pPr algn="ctr"/>
+                  <a:r>
+                    <a:rPr lang="en-US" u="sng" dirty="0" smtClean="0"/>
+                    <a:t>Real space constraint:</a:t>
+                  </a:r>
+                </a:p>
+                <a:p>
+                  <a:pPr algn="ctr"/>
+                  <a:r>
+                    <a:rPr lang="en-US" sz="1600" dirty="0" smtClean="0"/>
+                    <a:t>e.g. </a:t>
+                  </a:r>
+                  <a14:m>
+                    <m:oMath xmlns:m="http://schemas.openxmlformats.org/officeDocument/2006/math">
+                      <m:sSub>
+                        <m:sSubPr>
+                          <m:ctrlPr>
+                            <a:rPr lang="en-US" sz="1600" b="0" i="1" smtClean="0">
+                              <a:latin typeface="Cambria Math" charset="0"/>
+                            </a:rPr>
+                          </m:ctrlPr>
+                        </m:sSubPr>
+                        <m:e>
+                          <m:sSup>
+                            <m:sSupPr>
+                              <m:ctrlPr>
+                                <a:rPr lang="en-US" sz="1600" b="0" i="1" smtClean="0">
+                                  <a:latin typeface="Cambria Math" charset="0"/>
+                                </a:rPr>
+                              </m:ctrlPr>
+                            </m:sSupPr>
+                            <m:e>
+                              <m:r>
+                                <a:rPr lang="en-US" sz="1600" b="0" i="1" smtClean="0">
+                                  <a:latin typeface="Cambria Math" panose="02040503050406030204" pitchFamily="18" charset="0"/>
+                                </a:rPr>
+                                <m:t>𝑔</m:t>
+                              </m:r>
+                            </m:e>
+                            <m:sup>
+                              <m:r>
+                                <a:rPr lang="en-US" sz="1600" b="0" i="1" smtClean="0">
+                                  <a:latin typeface="Cambria Math" panose="02040503050406030204" pitchFamily="18" charset="0"/>
+                                </a:rPr>
+                                <m:t>′</m:t>
+                              </m:r>
+                            </m:sup>
+                          </m:sSup>
+                        </m:e>
+                        <m:sub>
+                          <m:r>
+                            <a:rPr lang="en-US" sz="1600" b="0" i="1" smtClean="0">
+                              <a:latin typeface="Cambria Math" panose="02040503050406030204" pitchFamily="18" charset="0"/>
+                            </a:rPr>
+                            <m:t>𝑘</m:t>
+                          </m:r>
+                          <m:r>
+                            <a:rPr lang="en-US" sz="1600" b="0" i="1" smtClean="0">
+                              <a:latin typeface="Cambria Math" panose="02040503050406030204" pitchFamily="18" charset="0"/>
+                            </a:rPr>
+                            <m:t>+1</m:t>
+                          </m:r>
+                        </m:sub>
+                      </m:sSub>
+                      <m:r>
+                        <a:rPr lang="en-US" sz="1600" b="0" i="1" smtClean="0">
+                          <a:latin typeface="Cambria Math" panose="02040503050406030204" pitchFamily="18" charset="0"/>
+                        </a:rPr>
+                        <m:t>(</m:t>
+                      </m:r>
+                      <m:r>
+                        <a:rPr lang="en-US" sz="1600" b="0" i="1" smtClean="0">
+                          <a:latin typeface="Cambria Math" panose="02040503050406030204" pitchFamily="18" charset="0"/>
+                        </a:rPr>
+                        <m:t>𝑥</m:t>
+                      </m:r>
+                      <m:r>
+                        <a:rPr lang="en-US" sz="1600" b="0" i="1" smtClean="0">
+                          <a:latin typeface="Cambria Math" panose="02040503050406030204" pitchFamily="18" charset="0"/>
+                        </a:rPr>
+                        <m:t>)=</m:t>
+                      </m:r>
+                      <m:d>
+                        <m:dPr>
+                          <m:begChr m:val="{"/>
+                          <m:endChr m:val=""/>
+                          <m:ctrlPr>
+                            <a:rPr lang="en-US" sz="1600" b="0" i="1" smtClean="0">
+                              <a:latin typeface="Cambria Math" charset="0"/>
+                            </a:rPr>
+                          </m:ctrlPr>
+                        </m:dPr>
+                        <m:e>
+                          <m:eqArr>
+                            <m:eqArrPr>
+                              <m:ctrlPr>
+                                <a:rPr lang="en-US" sz="1600" b="0" i="1" smtClean="0">
+                                  <a:latin typeface="Cambria Math" charset="0"/>
+                                </a:rPr>
+                              </m:ctrlPr>
+                            </m:eqArrPr>
+                            <m:e>
+                              <m:r>
+                                <m:rPr>
+                                  <m:nor/>
+                                </m:rPr>
+                                <a:rPr lang="en-US" sz="1600" dirty="0" smtClean="0"/>
+                                <m:t>g</m:t>
+                              </m:r>
+                              <m:r>
+                                <m:rPr>
+                                  <m:nor/>
+                                </m:rPr>
+                                <a:rPr lang="en-US" sz="1600" dirty="0" smtClean="0"/>
+                                <m:t>’</m:t>
+                              </m:r>
+                              <m:r>
+                                <m:rPr>
+                                  <m:nor/>
+                                </m:rPr>
+                                <a:rPr lang="en-US" sz="1600" baseline="-25000" dirty="0" smtClean="0"/>
+                                <m:t>k</m:t>
+                              </m:r>
+                              <m:r>
+                                <m:rPr>
+                                  <m:nor/>
+                                </m:rPr>
+                                <a:rPr lang="en-US" sz="1600" dirty="0" smtClean="0"/>
+                                <m:t>(</m:t>
+                              </m:r>
+                              <m:r>
+                                <m:rPr>
+                                  <m:nor/>
+                                </m:rPr>
+                                <a:rPr lang="en-US" sz="1600" dirty="0" smtClean="0"/>
+                                <m:t>x</m:t>
+                              </m:r>
+                              <m:r>
+                                <m:rPr>
+                                  <m:nor/>
+                                </m:rPr>
+                                <a:rPr lang="en-US" sz="1600" dirty="0" smtClean="0"/>
+                                <m:t>), </m:t>
+                              </m:r>
+                              <m:r>
+                                <m:rPr>
+                                  <m:nor/>
+                                </m:rPr>
+                                <a:rPr lang="en-US" sz="1600" dirty="0" smtClean="0"/>
+                                <m:t>x</m:t>
+                              </m:r>
+                              <m:r>
+                                <m:rPr>
+                                  <m:nor/>
+                                </m:rPr>
+                                <a:rPr lang="en-US" sz="1600" dirty="0" smtClean="0"/>
+                                <m:t> </m:t>
+                              </m:r>
+                              <m:r>
+                                <a:rPr lang="en-US" sz="1600" i="1" dirty="0" smtClean="0">
+                                  <a:latin typeface="Cambria Math" panose="02040503050406030204" pitchFamily="18" charset="0"/>
+                                  <a:ea typeface="Cambria Math" panose="02040503050406030204" pitchFamily="18" charset="0"/>
+                                </a:rPr>
+                                <m:t>∈</m:t>
+                              </m:r>
+                              <m:r>
+                                <m:rPr>
+                                  <m:nor/>
+                                </m:rPr>
+                                <a:rPr lang="en-US" sz="1600" dirty="0" smtClean="0"/>
+                                <m:t> </m:t>
+                              </m:r>
+                              <m:r>
+                                <m:rPr>
+                                  <m:nor/>
+                                </m:rPr>
+                                <a:rPr lang="en-US" sz="1600" dirty="0" smtClean="0"/>
+                                <m:t>S</m:t>
+                              </m:r>
+                            </m:e>
+                            <m:e>
+                              <m:r>
+                                <m:rPr>
+                                  <m:nor/>
+                                </m:rPr>
+                                <a:rPr lang="en-US" sz="1600" dirty="0" smtClean="0"/>
+                                <m:t>0, </m:t>
+                              </m:r>
+                              <m:r>
+                                <m:rPr>
+                                  <m:nor/>
+                                </m:rPr>
+                                <a:rPr lang="en-US" sz="1600" b="0" i="0" dirty="0" smtClean="0"/>
+                                <m:t>        </m:t>
+                              </m:r>
+                              <m:r>
+                                <m:rPr>
+                                  <m:nor/>
+                                </m:rPr>
+                                <a:rPr lang="en-US" sz="1600" dirty="0" smtClean="0"/>
+                                <m:t>x</m:t>
+                              </m:r>
+                              <m:r>
+                                <m:rPr>
+                                  <m:nor/>
+                                </m:rPr>
+                                <a:rPr lang="en-US" sz="1600" dirty="0" smtClean="0"/>
+                                <m:t> </m:t>
+                              </m:r>
+                              <m:r>
+                                <a:rPr lang="el-GR" sz="1600" i="1" dirty="0" smtClean="0">
+                                  <a:latin typeface="Cambria Math" panose="02040503050406030204" pitchFamily="18" charset="0"/>
+                                  <a:ea typeface="Cambria Math" panose="02040503050406030204" pitchFamily="18" charset="0"/>
+                                </a:rPr>
+                                <m:t>∉</m:t>
+                              </m:r>
+                              <m:r>
+                                <m:rPr>
+                                  <m:nor/>
+                                </m:rPr>
+                                <a:rPr lang="en-US" sz="1600" dirty="0" smtClean="0"/>
+                                <m:t> </m:t>
+                              </m:r>
+                              <m:r>
+                                <m:rPr>
+                                  <m:nor/>
+                                </m:rPr>
+                                <a:rPr lang="en-US" sz="1600" dirty="0" smtClean="0"/>
+                                <m:t>S</m:t>
+                              </m:r>
+                              <m:r>
+                                <m:rPr>
+                                  <m:nor/>
+                                </m:rPr>
+                                <a:rPr lang="en-US" sz="1600" dirty="0" smtClean="0"/>
+                                <m:t> </m:t>
+                              </m:r>
+                            </m:e>
+                          </m:eqArr>
+                        </m:e>
+                      </m:d>
+                    </m:oMath>
+                  </a14:m>
+                  <a:endParaRPr lang="en-US" sz="1600" dirty="0" smtClean="0"/>
+                </a:p>
+              </p:txBody>
+            </p:sp>
+          </mc:Choice>
+          <mc:Fallback>
+            <p:sp>
+              <p:nvSpPr>
+                <p:cNvPr id="19" name="Rounded Rectangle 18"/>
+                <p:cNvSpPr>
+                  <a:spLocks noRot="1" noChangeAspect="1" noMove="1" noResize="1" noEditPoints="1" noAdjustHandles="1" noChangeArrowheads="1" noChangeShapeType="1" noTextEdit="1"/>
+                </p:cNvSpPr>
+                <p:nvPr/>
+              </p:nvSpPr>
+              <p:spPr>
+                <a:xfrm>
+                  <a:off x="1448457" y="2898880"/>
+                  <a:ext cx="2914537" cy="1014609"/>
+                </a:xfrm>
+                <a:prstGeom prst="roundRect">
+                  <a:avLst/>
+                </a:prstGeom>
+                <a:blipFill rotWithShape="0">
+                  <a:blip r:embed="rId2"/>
+                  <a:stretch>
+                    <a:fillRect/>
+                  </a:stretch>
+                </a:blipFill>
+                <a:ln>
+                  <a:solidFill>
+                    <a:schemeClr val="accent2"/>
+                  </a:solidFill>
+                </a:ln>
+              </p:spPr>
+              <p:txBody>
+                <a:bodyPr/>
+                <a:lstStyle/>
+                <a:p>
+                  <a:r>
+                    <a:rPr lang="en-US">
+                      <a:noFill/>
+                    </a:rPr>
+                    <a:t> </a:t>
+                  </a:r>
+                </a:p>
+              </p:txBody>
+            </p:sp>
+          </mc:Fallback>
+        </mc:AlternateContent>
+        <p:cxnSp>
+          <p:nvCxnSpPr>
+            <p:cNvPr id="21" name="Straight Arrow Connector 20"/>
+            <p:cNvCxnSpPr>
+              <a:stCxn id="4" idx="3"/>
+              <a:endCxn id="5" idx="1"/>
+            </p:cNvCxnSpPr>
+            <p:nvPr/>
+          </p:nvCxnSpPr>
+          <p:spPr>
+            <a:xfrm>
+              <a:off x="3126823" y="1950836"/>
+              <a:ext cx="5879391" cy="0"/>
+            </a:xfrm>
+            <a:prstGeom prst="straightConnector1">
+              <a:avLst/>
+            </a:prstGeom>
+            <a:ln w="28575">
+              <a:tailEnd type="triangle"/>
+            </a:ln>
+          </p:spPr>
+          <p:style>
+            <a:lnRef idx="1">
+              <a:schemeClr val="accent1"/>
+            </a:lnRef>
+            <a:fillRef idx="0">
+              <a:schemeClr val="accent1"/>
+            </a:fillRef>
+            <a:effectRef idx="0">
+              <a:schemeClr val="accent1"/>
+            </a:effectRef>
+            <a:fontRef idx="minor">
+              <a:schemeClr val="tx1"/>
+            </a:fontRef>
+          </p:style>
+        </p:cxnSp>
+      </p:grpSp>
     </p:spTree>
     <p:extLst>
       <p:ext uri="{BB962C8B-B14F-4D97-AF65-F5344CB8AC3E}">
